--- a/Proto-Personas.pptx
+++ b/Proto-Personas.pptx
@@ -5,7 +5,7 @@
     <p:sldMasterId id="2147483648" r:id="rId1"/>
   </p:sldMasterIdLst>
   <p:sldIdLst>
-    <p:sldId id="256" r:id="rId36"/>
+    <p:sldId id="256" r:id="rId44"/>
   </p:sldIdLst>
   <p:sldSz cx="18288000" cy="10287000"/>
   <p:notesSz cx="6858000" cy="9144000"/>
@@ -75,60 +75,92 @@
       <p:regular r:id="rId21"/>
     </p:embeddedFont>
     <p:embeddedFont>
-      <p:font typeface="Muli" charset="1" panose="00000500000000000000"/>
+      <p:font typeface="Open Sans" charset="1" panose="020B0606030504020204"/>
       <p:regular r:id="rId22"/>
     </p:embeddedFont>
     <p:embeddedFont>
-      <p:font typeface="Muli Bold" charset="1" panose="00000800000000000000"/>
+      <p:font typeface="Open Sans Bold" charset="1" panose="020B0806030504020204"/>
       <p:regular r:id="rId23"/>
     </p:embeddedFont>
     <p:embeddedFont>
-      <p:font typeface="Muli Italics" charset="1" panose="00000500000000000000"/>
+      <p:font typeface="Open Sans Italics" charset="1" panose="020B0606030504020204"/>
       <p:regular r:id="rId24"/>
     </p:embeddedFont>
     <p:embeddedFont>
-      <p:font typeface="Muli Bold Italics" charset="1" panose="00000800000000000000"/>
+      <p:font typeface="Open Sans Bold Italics" charset="1" panose="020B0806030504020204"/>
       <p:regular r:id="rId25"/>
     </p:embeddedFont>
     <p:embeddedFont>
-      <p:font typeface="Muli Extra-Light" charset="1" panose="00000300000000000000"/>
+      <p:font typeface="Open Sans Light" charset="1" panose="020B0306030504020204"/>
       <p:regular r:id="rId26"/>
     </p:embeddedFont>
     <p:embeddedFont>
-      <p:font typeface="Muli Extra-Light Italics" charset="1" panose="00000300000000000000"/>
+      <p:font typeface="Open Sans Light Italics" charset="1" panose="020B0306030504020204"/>
       <p:regular r:id="rId27"/>
     </p:embeddedFont>
     <p:embeddedFont>
-      <p:font typeface="Muli Light" charset="1" panose="00000400000000000000"/>
+      <p:font typeface="Open Sans Ultra-Bold" charset="1" panose="00000000000000000000"/>
       <p:regular r:id="rId28"/>
     </p:embeddedFont>
     <p:embeddedFont>
-      <p:font typeface="Muli Light Italics" charset="1" panose="00000400000000000000"/>
+      <p:font typeface="Open Sans Ultra-Bold Italics" charset="1" panose="00000000000000000000"/>
       <p:regular r:id="rId29"/>
     </p:embeddedFont>
     <p:embeddedFont>
-      <p:font typeface="Muli Semi-Bold" charset="1" panose="00000700000000000000"/>
+      <p:font typeface="Muli" charset="1" panose="00000500000000000000"/>
       <p:regular r:id="rId30"/>
     </p:embeddedFont>
     <p:embeddedFont>
-      <p:font typeface="Muli Semi-Bold Italics" charset="1" panose="00000700000000000000"/>
+      <p:font typeface="Muli Bold" charset="1" panose="00000800000000000000"/>
       <p:regular r:id="rId31"/>
     </p:embeddedFont>
     <p:embeddedFont>
-      <p:font typeface="Muli Ultra-Bold" charset="1" panose="00000900000000000000"/>
+      <p:font typeface="Muli Italics" charset="1" panose="00000500000000000000"/>
       <p:regular r:id="rId32"/>
     </p:embeddedFont>
     <p:embeddedFont>
-      <p:font typeface="Muli Ultra-Bold Italics" charset="1" panose="00000900000000000000"/>
+      <p:font typeface="Muli Bold Italics" charset="1" panose="00000800000000000000"/>
       <p:regular r:id="rId33"/>
     </p:embeddedFont>
     <p:embeddedFont>
-      <p:font typeface="Muli Heavy" charset="1" panose="00000A00000000000000"/>
+      <p:font typeface="Muli Extra-Light" charset="1" panose="00000300000000000000"/>
       <p:regular r:id="rId34"/>
     </p:embeddedFont>
     <p:embeddedFont>
+      <p:font typeface="Muli Extra-Light Italics" charset="1" panose="00000300000000000000"/>
+      <p:regular r:id="rId35"/>
+    </p:embeddedFont>
+    <p:embeddedFont>
+      <p:font typeface="Muli Light" charset="1" panose="00000400000000000000"/>
+      <p:regular r:id="rId36"/>
+    </p:embeddedFont>
+    <p:embeddedFont>
+      <p:font typeface="Muli Light Italics" charset="1" panose="00000400000000000000"/>
+      <p:regular r:id="rId37"/>
+    </p:embeddedFont>
+    <p:embeddedFont>
+      <p:font typeface="Muli Semi-Bold" charset="1" panose="00000700000000000000"/>
+      <p:regular r:id="rId38"/>
+    </p:embeddedFont>
+    <p:embeddedFont>
+      <p:font typeface="Muli Semi-Bold Italics" charset="1" panose="00000700000000000000"/>
+      <p:regular r:id="rId39"/>
+    </p:embeddedFont>
+    <p:embeddedFont>
+      <p:font typeface="Muli Ultra-Bold" charset="1" panose="00000900000000000000"/>
+      <p:regular r:id="rId40"/>
+    </p:embeddedFont>
+    <p:embeddedFont>
+      <p:font typeface="Muli Ultra-Bold Italics" charset="1" panose="00000900000000000000"/>
+      <p:regular r:id="rId41"/>
+    </p:embeddedFont>
+    <p:embeddedFont>
+      <p:font typeface="Muli Heavy" charset="1" panose="00000A00000000000000"/>
+      <p:regular r:id="rId42"/>
+    </p:embeddedFont>
+    <p:embeddedFont>
       <p:font typeface="Muli Heavy Italics" charset="1" panose="00000A00000000000000"/>
-      <p:regular r:id="rId35"/>
+      <p:regular r:id="rId43"/>
     </p:embeddedFont>
   </p:embeddedFontLst>
   <p:defaultTextStyle>
@@ -3189,7 +3221,7 @@
         </p:nvGrpSpPr>
         <p:grpSpPr>
           <a:xfrm rot="0">
-            <a:off x="0" y="0"/>
+            <a:off x="0" y="-1823237"/>
             <a:ext cx="18288000" cy="4065646"/>
             <a:chOff x="0" y="0"/>
             <a:chExt cx="4816593" cy="1070787"/>
@@ -3271,48 +3303,7 @@
         </p:nvSpPr>
         <p:spPr>
           <a:xfrm rot="0">
-            <a:off x="7729076" y="1036624"/>
-            <a:ext cx="3424253" cy="304800"/>
-          </a:xfrm>
-          <a:prstGeom prst="rect">
-            <a:avLst/>
-          </a:prstGeom>
-        </p:spPr>
-        <p:txBody>
-          <a:bodyPr anchor="t" rtlCol="false" tIns="0" lIns="0" bIns="0" rIns="0">
-            <a:spAutoFit/>
-          </a:bodyPr>
-          <a:lstStyle/>
-          <a:p>
-            <a:pPr algn="ctr" marL="0" indent="0" lvl="0">
-              <a:lnSpc>
-                <a:spcPts val="2405"/>
-              </a:lnSpc>
-              <a:spcBef>
-                <a:spcPct val="0"/>
-              </a:spcBef>
-            </a:pPr>
-            <a:r>
-              <a:rPr lang="en-US" sz="2004">
-                <a:solidFill>
-                  <a:srgbClr val="FFFFFF"/>
-                </a:solidFill>
-                <a:latin typeface="Muli Semi-Bold"/>
-              </a:rPr>
-              <a:t>Noctoramento</a:t>
-            </a:r>
-          </a:p>
-        </p:txBody>
-      </p:sp>
-      <p:sp>
-        <p:nvSpPr>
-          <p:cNvPr name="TextBox 6" id="6"/>
-          <p:cNvSpPr txBox="true"/>
-          <p:nvPr/>
-        </p:nvSpPr>
-        <p:spPr>
-          <a:xfrm rot="0">
-            <a:off x="3207987" y="1933202"/>
+            <a:off x="3207987" y="410832"/>
             <a:ext cx="11872026" cy="1152525"/>
           </a:xfrm>
           <a:prstGeom prst="rect">
@@ -3344,28 +3335,28 @@
       </p:sp>
       <p:grpSp>
         <p:nvGrpSpPr>
-          <p:cNvPr name="Group 7" id="7"/>
+          <p:cNvPr name="Group 6" id="6"/>
           <p:cNvGrpSpPr/>
           <p:nvPr/>
         </p:nvGrpSpPr>
         <p:grpSpPr>
           <a:xfrm rot="0">
-            <a:off x="439387" y="6532767"/>
-            <a:ext cx="5537199" cy="3329923"/>
+            <a:off x="1004918" y="4409752"/>
+            <a:ext cx="5229534" cy="2406245"/>
             <a:chOff x="0" y="0"/>
-            <a:chExt cx="7382932" cy="4439897"/>
+            <a:chExt cx="6972712" cy="3208326"/>
           </a:xfrm>
         </p:grpSpPr>
         <p:sp>
           <p:nvSpPr>
-            <p:cNvPr name="TextBox 8" id="8"/>
+            <p:cNvPr name="TextBox 7" id="7"/>
             <p:cNvSpPr txBox="true"/>
             <p:nvPr/>
           </p:nvSpPr>
           <p:spPr>
             <a:xfrm rot="0">
-              <a:off x="0" y="-28575"/>
-              <a:ext cx="7382932" cy="1078441"/>
+              <a:off x="0" y="-19050"/>
+              <a:ext cx="6972712" cy="995821"/>
             </a:xfrm>
             <a:prstGeom prst="rect">
               <a:avLst/>
@@ -3379,11 +3370,11 @@
             <a:p>
               <a:pPr algn="ctr">
                 <a:lnSpc>
-                  <a:spcPts val="3900"/>
+                  <a:spcPts val="3683"/>
                 </a:lnSpc>
               </a:pPr>
               <a:r>
-                <a:rPr lang="en-US" sz="3000">
+                <a:rPr lang="en-US" sz="2833">
                   <a:solidFill>
                     <a:srgbClr val="000937"/>
                   </a:solidFill>
@@ -3395,14 +3386,14 @@
             <a:p>
               <a:pPr algn="ctr" marL="0" indent="0" lvl="0">
                 <a:lnSpc>
-                  <a:spcPts val="2600"/>
+                  <a:spcPts val="2340"/>
                 </a:lnSpc>
                 <a:spcBef>
                   <a:spcPct val="0"/>
                 </a:spcBef>
               </a:pPr>
               <a:r>
-                <a:rPr lang="en-US" sz="2000">
+                <a:rPr lang="en-US" sz="1800">
                   <a:solidFill>
                     <a:srgbClr val="000937"/>
                   </a:solidFill>
@@ -3415,14 +3406,119 @@
         </p:sp>
         <p:sp>
           <p:nvSpPr>
-            <p:cNvPr name="TextBox 9" id="9"/>
+            <p:cNvPr name="TextBox 8" id="8"/>
             <p:cNvSpPr txBox="true"/>
             <p:nvPr/>
           </p:nvSpPr>
           <p:spPr>
             <a:xfrm rot="0">
-              <a:off x="0" y="1328397"/>
-              <a:ext cx="7382932" cy="3111500"/>
+              <a:off x="0" y="1239826"/>
+              <a:ext cx="6972712" cy="1968500"/>
+            </a:xfrm>
+            <a:prstGeom prst="rect">
+              <a:avLst/>
+            </a:prstGeom>
+          </p:spPr>
+          <p:txBody>
+            <a:bodyPr anchor="t" rtlCol="false" tIns="0" lIns="0" bIns="0" rIns="0">
+              <a:spAutoFit/>
+            </a:bodyPr>
+            <a:lstStyle/>
+            <a:p>
+              <a:pPr algn="ctr" marL="431799" indent="-215899" lvl="1">
+                <a:lnSpc>
+                  <a:spcPts val="2399"/>
+                </a:lnSpc>
+                <a:buFont typeface="Arial"/>
+                <a:buChar char="•"/>
+              </a:pPr>
+              <a:r>
+                <a:rPr lang="en-US" sz="1999">
+                  <a:solidFill>
+                    <a:srgbClr val="000937"/>
+                  </a:solidFill>
+                  <a:latin typeface="Muli"/>
+                </a:rPr>
+                <a:t>Agenda apertada;</a:t>
+              </a:r>
+            </a:p>
+            <a:p>
+              <a:pPr algn="ctr">
+                <a:lnSpc>
+                  <a:spcPts val="2399"/>
+                </a:lnSpc>
+              </a:pPr>
+            </a:p>
+            <a:p>
+              <a:pPr algn="ctr" marL="431799" indent="-215899" lvl="1">
+                <a:lnSpc>
+                  <a:spcPts val="2399"/>
+                </a:lnSpc>
+                <a:buFont typeface="Arial"/>
+                <a:buChar char="•"/>
+              </a:pPr>
+              <a:r>
+                <a:rPr lang="en-US" sz="1999">
+                  <a:solidFill>
+                    <a:srgbClr val="000937"/>
+                  </a:solidFill>
+                  <a:latin typeface="Muli"/>
+                </a:rPr>
+                <a:t>Responsável por mais de uma equipe;</a:t>
+              </a:r>
+            </a:p>
+            <a:p>
+              <a:pPr algn="ctr">
+                <a:lnSpc>
+                  <a:spcPts val="2399"/>
+                </a:lnSpc>
+              </a:pPr>
+            </a:p>
+            <a:p>
+              <a:pPr algn="ctr" marL="431799" indent="-215899" lvl="1">
+                <a:lnSpc>
+                  <a:spcPts val="2399"/>
+                </a:lnSpc>
+                <a:buFont typeface="Arial"/>
+                <a:buChar char="•"/>
+              </a:pPr>
+              <a:r>
+                <a:rPr lang="en-US" sz="1999">
+                  <a:solidFill>
+                    <a:srgbClr val="000937"/>
+                  </a:solidFill>
+                  <a:latin typeface="Muli"/>
+                </a:rPr>
+                <a:t>Não é muito adepta a novas tecnologias;</a:t>
+              </a:r>
+            </a:p>
+          </p:txBody>
+        </p:sp>
+      </p:grpSp>
+      <p:grpSp>
+        <p:nvGrpSpPr>
+          <p:cNvPr name="Group 9" id="9"/>
+          <p:cNvGrpSpPr/>
+          <p:nvPr/>
+        </p:nvGrpSpPr>
+        <p:grpSpPr>
+          <a:xfrm rot="0">
+            <a:off x="6995096" y="4223327"/>
+            <a:ext cx="4816474" cy="2676105"/>
+            <a:chOff x="0" y="0"/>
+            <a:chExt cx="6421965" cy="3568141"/>
+          </a:xfrm>
+        </p:grpSpPr>
+        <p:sp>
+          <p:nvSpPr>
+            <p:cNvPr name="TextBox 10" id="10"/>
+            <p:cNvSpPr txBox="true"/>
+            <p:nvPr/>
+          </p:nvSpPr>
+          <p:spPr>
+            <a:xfrm rot="0">
+              <a:off x="0" y="-28575"/>
+              <a:ext cx="6421965" cy="980798"/>
             </a:xfrm>
             <a:prstGeom prst="rect">
               <a:avLst/>
@@ -3436,95 +3532,40 @@
             <a:p>
               <a:pPr algn="ctr">
                 <a:lnSpc>
-                  <a:spcPts val="2639"/>
+                  <a:spcPts val="3552"/>
                 </a:lnSpc>
               </a:pPr>
+              <a:r>
+                <a:rPr lang="en-US" sz="2732">
+                  <a:solidFill>
+                    <a:srgbClr val="000937"/>
+                  </a:solidFill>
+                  <a:latin typeface="Muli Semi-Bold"/>
+                </a:rPr>
+                <a:t>Blaise Martins</a:t>
+              </a:r>
             </a:p>
             <a:p>
-              <a:pPr algn="ctr" marL="474979" indent="-237490" lvl="1">
+              <a:pPr algn="ctr" marL="0" indent="0" lvl="0">
                 <a:lnSpc>
-                  <a:spcPts val="2639"/>
+                  <a:spcPts val="2339"/>
                 </a:lnSpc>
-                <a:buFont typeface="Arial"/>
-                <a:buChar char="•"/>
+                <a:spcBef>
+                  <a:spcPct val="0"/>
+                </a:spcBef>
               </a:pPr>
               <a:r>
-                <a:rPr lang="en-US" sz="2199">
+                <a:rPr lang="en-US" sz="1799">
                   <a:solidFill>
                     <a:srgbClr val="000937"/>
                   </a:solidFill>
                   <a:latin typeface="Muli"/>
                 </a:rPr>
-                <a:t>Agenda apertada;</a:t>
-              </a:r>
-            </a:p>
-            <a:p>
-              <a:pPr algn="ctr">
-                <a:lnSpc>
-                  <a:spcPts val="2639"/>
-                </a:lnSpc>
-              </a:pPr>
-            </a:p>
-            <a:p>
-              <a:pPr algn="ctr" marL="474979" indent="-237490" lvl="1">
-                <a:lnSpc>
-                  <a:spcPts val="2639"/>
-                </a:lnSpc>
-                <a:buFont typeface="Arial"/>
-                <a:buChar char="•"/>
-              </a:pPr>
-              <a:r>
-                <a:rPr lang="en-US" sz="2199">
-                  <a:solidFill>
-                    <a:srgbClr val="000937"/>
-                  </a:solidFill>
-                  <a:latin typeface="Muli"/>
-                </a:rPr>
-                <a:t>Responsável por mais de uma equipe;</a:t>
-              </a:r>
-            </a:p>
-            <a:p>
-              <a:pPr algn="ctr">
-                <a:lnSpc>
-                  <a:spcPts val="2639"/>
-                </a:lnSpc>
-              </a:pPr>
-            </a:p>
-            <a:p>
-              <a:pPr algn="ctr" marL="474979" indent="-237490" lvl="1">
-                <a:lnSpc>
-                  <a:spcPts val="2639"/>
-                </a:lnSpc>
-                <a:buFont typeface="Arial"/>
-                <a:buChar char="•"/>
-              </a:pPr>
-              <a:r>
-                <a:rPr lang="en-US" sz="2199">
-                  <a:solidFill>
-                    <a:srgbClr val="000937"/>
-                  </a:solidFill>
-                  <a:latin typeface="Muli"/>
-                </a:rPr>
-                <a:t>Não é muito adepta a novas tecnologias;</a:t>
+                <a:t>Analista de Quality Assurance</a:t>
               </a:r>
             </a:p>
           </p:txBody>
         </p:sp>
-      </p:grpSp>
-      <p:grpSp>
-        <p:nvGrpSpPr>
-          <p:cNvPr name="Group 10" id="10"/>
-          <p:cNvGrpSpPr/>
-          <p:nvPr/>
-        </p:nvGrpSpPr>
-        <p:grpSpPr>
-          <a:xfrm rot="0">
-            <a:off x="6500240" y="6532767"/>
-            <a:ext cx="5287519" cy="3329923"/>
-            <a:chOff x="0" y="0"/>
-            <a:chExt cx="7050026" cy="4439897"/>
-          </a:xfrm>
-        </p:grpSpPr>
         <p:sp>
           <p:nvSpPr>
             <p:cNvPr name="TextBox 11" id="11"/>
@@ -3533,8 +3574,113 @@
           </p:nvSpPr>
           <p:spPr>
             <a:xfrm rot="0">
-              <a:off x="0" y="-28575"/>
-              <a:ext cx="7050026" cy="1078441"/>
+              <a:off x="0" y="1205941"/>
+              <a:ext cx="6421965" cy="2362200"/>
+            </a:xfrm>
+            <a:prstGeom prst="rect">
+              <a:avLst/>
+            </a:prstGeom>
+          </p:spPr>
+          <p:txBody>
+            <a:bodyPr anchor="t" rtlCol="false" tIns="0" lIns="0" bIns="0" rIns="0">
+              <a:spAutoFit/>
+            </a:bodyPr>
+            <a:lstStyle/>
+            <a:p>
+              <a:pPr algn="ctr" marL="432665" indent="-216333" lvl="1">
+                <a:lnSpc>
+                  <a:spcPts val="2404"/>
+                </a:lnSpc>
+                <a:buFont typeface="Arial"/>
+                <a:buChar char="•"/>
+              </a:pPr>
+              <a:r>
+                <a:rPr lang="en-US" sz="2004">
+                  <a:solidFill>
+                    <a:srgbClr val="000937"/>
+                  </a:solidFill>
+                  <a:latin typeface="Muli"/>
+                </a:rPr>
+                <a:t> Alta Demanda constante;</a:t>
+              </a:r>
+            </a:p>
+            <a:p>
+              <a:pPr algn="ctr">
+                <a:lnSpc>
+                  <a:spcPts val="2404"/>
+                </a:lnSpc>
+              </a:pPr>
+            </a:p>
+            <a:p>
+              <a:pPr algn="ctr" marL="432665" indent="-216333" lvl="1">
+                <a:lnSpc>
+                  <a:spcPts val="2004"/>
+                </a:lnSpc>
+                <a:buFont typeface="Arial"/>
+                <a:buChar char="•"/>
+              </a:pPr>
+              <a:r>
+                <a:rPr lang="en-US" sz="2004">
+                  <a:solidFill>
+                    <a:srgbClr val="000937"/>
+                  </a:solidFill>
+                  <a:latin typeface="Muli"/>
+                </a:rPr>
+                <a:t>Problemas com concentração;</a:t>
+              </a:r>
+            </a:p>
+            <a:p>
+              <a:pPr algn="ctr">
+                <a:lnSpc>
+                  <a:spcPts val="2404"/>
+                </a:lnSpc>
+              </a:pPr>
+            </a:p>
+            <a:p>
+              <a:pPr algn="ctr" marL="432665" indent="-216333" lvl="1">
+                <a:lnSpc>
+                  <a:spcPts val="2404"/>
+                </a:lnSpc>
+                <a:buFont typeface="Arial"/>
+                <a:buChar char="•"/>
+              </a:pPr>
+              <a:r>
+                <a:rPr lang="en-US" sz="2004">
+                  <a:solidFill>
+                    <a:srgbClr val="000937"/>
+                  </a:solidFill>
+                  <a:latin typeface="Muli"/>
+                </a:rPr>
+                <a:t>Dificuldade em organizar seus horários;</a:t>
+              </a:r>
+            </a:p>
+          </p:txBody>
+        </p:sp>
+      </p:grpSp>
+      <p:grpSp>
+        <p:nvGrpSpPr>
+          <p:cNvPr name="Group 12" id="12"/>
+          <p:cNvGrpSpPr/>
+          <p:nvPr/>
+        </p:nvGrpSpPr>
+        <p:grpSpPr>
+          <a:xfrm rot="0">
+            <a:off x="12967325" y="4223327"/>
+            <a:ext cx="4315757" cy="2895926"/>
+            <a:chOff x="0" y="0"/>
+            <a:chExt cx="5754343" cy="3861235"/>
+          </a:xfrm>
+        </p:grpSpPr>
+        <p:sp>
+          <p:nvSpPr>
+            <p:cNvPr name="TextBox 13" id="13"/>
+            <p:cNvSpPr txBox="true"/>
+            <p:nvPr/>
+          </p:nvSpPr>
+          <p:spPr>
+            <a:xfrm rot="0">
+              <a:off x="0" y="-19050"/>
+              <a:ext cx="5754343" cy="922443"/>
             </a:xfrm>
             <a:prstGeom prst="rect">
               <a:avLst/>
@@ -3548,189 +3694,11 @@
             <a:p>
               <a:pPr algn="ctr">
                 <a:lnSpc>
-                  <a:spcPts val="3900"/>
+                  <a:spcPts val="3249"/>
                 </a:lnSpc>
               </a:pPr>
               <a:r>
-                <a:rPr lang="en-US" sz="3000">
-                  <a:solidFill>
-                    <a:srgbClr val="000937"/>
-                  </a:solidFill>
-                  <a:latin typeface="Muli Semi-Bold"/>
-                </a:rPr>
-                <a:t>Blaise Martins</a:t>
-              </a:r>
-            </a:p>
-            <a:p>
-              <a:pPr algn="ctr" marL="0" indent="0" lvl="0">
-                <a:lnSpc>
-                  <a:spcPts val="2600"/>
-                </a:lnSpc>
-                <a:spcBef>
-                  <a:spcPct val="0"/>
-                </a:spcBef>
-              </a:pPr>
-              <a:r>
-                <a:rPr lang="en-US" sz="2000">
-                  <a:solidFill>
-                    <a:srgbClr val="000937"/>
-                  </a:solidFill>
-                  <a:latin typeface="Muli"/>
-                </a:rPr>
-                <a:t>Analista de Quality Assurance</a:t>
-              </a:r>
-            </a:p>
-          </p:txBody>
-        </p:sp>
-        <p:sp>
-          <p:nvSpPr>
-            <p:cNvPr name="TextBox 12" id="12"/>
-            <p:cNvSpPr txBox="true"/>
-            <p:nvPr/>
-          </p:nvSpPr>
-          <p:spPr>
-            <a:xfrm rot="0">
-              <a:off x="0" y="1328397"/>
-              <a:ext cx="7050026" cy="3111500"/>
-            </a:xfrm>
-            <a:prstGeom prst="rect">
-              <a:avLst/>
-            </a:prstGeom>
-          </p:spPr>
-          <p:txBody>
-            <a:bodyPr anchor="t" rtlCol="false" tIns="0" lIns="0" bIns="0" rIns="0">
-              <a:spAutoFit/>
-            </a:bodyPr>
-            <a:lstStyle/>
-            <a:p>
-              <a:pPr algn="ctr">
-                <a:lnSpc>
-                  <a:spcPts val="2639"/>
-                </a:lnSpc>
-              </a:pPr>
-              <a:r>
-                <a:rPr lang="en-US" sz="2199">
-                  <a:solidFill>
-                    <a:srgbClr val="000937"/>
-                  </a:solidFill>
-                  <a:latin typeface="Muli"/>
-                </a:rPr>
-                <a:t> </a:t>
-              </a:r>
-            </a:p>
-            <a:p>
-              <a:pPr algn="ctr" marL="474979" indent="-237490" lvl="1">
-                <a:lnSpc>
-                  <a:spcPts val="2639"/>
-                </a:lnSpc>
-                <a:buFont typeface="Arial"/>
-                <a:buChar char="•"/>
-              </a:pPr>
-              <a:r>
-                <a:rPr lang="en-US" sz="2199">
-                  <a:solidFill>
-                    <a:srgbClr val="000937"/>
-                  </a:solidFill>
-                  <a:latin typeface="Muli"/>
-                </a:rPr>
-                <a:t>Alta Demanda constante;</a:t>
-              </a:r>
-            </a:p>
-            <a:p>
-              <a:pPr algn="ctr">
-                <a:lnSpc>
-                  <a:spcPts val="2639"/>
-                </a:lnSpc>
-              </a:pPr>
-            </a:p>
-            <a:p>
-              <a:pPr algn="ctr" marL="474979" indent="-237490" lvl="1">
-                <a:lnSpc>
-                  <a:spcPts val="2639"/>
-                </a:lnSpc>
-                <a:buFont typeface="Arial"/>
-                <a:buChar char="•"/>
-              </a:pPr>
-              <a:r>
-                <a:rPr lang="en-US" sz="2199">
-                  <a:solidFill>
-                    <a:srgbClr val="000937"/>
-                  </a:solidFill>
-                  <a:latin typeface="Muli"/>
-                </a:rPr>
-                <a:t>Problemas com concentração;</a:t>
-              </a:r>
-            </a:p>
-            <a:p>
-              <a:pPr algn="ctr">
-                <a:lnSpc>
-                  <a:spcPts val="2639"/>
-                </a:lnSpc>
-              </a:pPr>
-            </a:p>
-            <a:p>
-              <a:pPr algn="ctr" marL="474979" indent="-237490" lvl="1">
-                <a:lnSpc>
-                  <a:spcPts val="2639"/>
-                </a:lnSpc>
-                <a:buFont typeface="Arial"/>
-                <a:buChar char="•"/>
-              </a:pPr>
-              <a:r>
-                <a:rPr lang="en-US" sz="2199">
-                  <a:solidFill>
-                    <a:srgbClr val="000937"/>
-                  </a:solidFill>
-                  <a:latin typeface="Muli"/>
-                </a:rPr>
-                <a:t>Dificuldade em organizar seus horários;</a:t>
-              </a:r>
-            </a:p>
-          </p:txBody>
-        </p:sp>
-      </p:grpSp>
-      <p:grpSp>
-        <p:nvGrpSpPr>
-          <p:cNvPr name="Group 13" id="13"/>
-          <p:cNvGrpSpPr/>
-          <p:nvPr/>
-        </p:nvGrpSpPr>
-        <p:grpSpPr>
-          <a:xfrm rot="0">
-            <a:off x="12311635" y="6532767"/>
-            <a:ext cx="5287519" cy="3663298"/>
-            <a:chOff x="0" y="0"/>
-            <a:chExt cx="7050026" cy="4884397"/>
-          </a:xfrm>
-        </p:grpSpPr>
-        <p:sp>
-          <p:nvSpPr>
-            <p:cNvPr name="TextBox 14" id="14"/>
-            <p:cNvSpPr txBox="true"/>
-            <p:nvPr/>
-          </p:nvSpPr>
-          <p:spPr>
-            <a:xfrm rot="0">
-              <a:off x="0" y="-28575"/>
-              <a:ext cx="7050026" cy="1078441"/>
-            </a:xfrm>
-            <a:prstGeom prst="rect">
-              <a:avLst/>
-            </a:prstGeom>
-          </p:spPr>
-          <p:txBody>
-            <a:bodyPr anchor="t" rtlCol="false" tIns="0" lIns="0" bIns="0" rIns="0">
-              <a:spAutoFit/>
-            </a:bodyPr>
-            <a:lstStyle/>
-            <a:p>
-              <a:pPr algn="ctr">
-                <a:lnSpc>
-                  <a:spcPts val="3900"/>
-                </a:lnSpc>
-              </a:pPr>
-              <a:r>
-                <a:rPr lang="en-US" sz="3000">
+                <a:rPr lang="en-US" sz="2499">
                   <a:solidFill>
                     <a:srgbClr val="000937"/>
                   </a:solidFill>
@@ -3742,14 +3710,14 @@
             <a:p>
               <a:pPr algn="ctr" marL="0" indent="0" lvl="0">
                 <a:lnSpc>
-                  <a:spcPts val="2600"/>
+                  <a:spcPts val="2339"/>
                 </a:lnSpc>
                 <a:spcBef>
                   <a:spcPct val="0"/>
                 </a:spcBef>
               </a:pPr>
               <a:r>
-                <a:rPr lang="en-US" sz="2000">
+                <a:rPr lang="en-US" sz="1799">
                   <a:solidFill>
                     <a:srgbClr val="000937"/>
                   </a:solidFill>
@@ -3762,14 +3730,14 @@
         </p:sp>
         <p:sp>
           <p:nvSpPr>
-            <p:cNvPr name="TextBox 15" id="15"/>
+            <p:cNvPr name="TextBox 14" id="14"/>
             <p:cNvSpPr txBox="true"/>
             <p:nvPr/>
           </p:nvSpPr>
           <p:spPr>
             <a:xfrm rot="0">
-              <a:off x="0" y="1328397"/>
-              <a:ext cx="7050026" cy="3556000"/>
+              <a:off x="0" y="1121210"/>
+              <a:ext cx="5754343" cy="2740025"/>
             </a:xfrm>
             <a:prstGeom prst="rect">
               <a:avLst/>
@@ -3781,22 +3749,15 @@
             </a:bodyPr>
             <a:lstStyle/>
             <a:p>
-              <a:pPr algn="ctr">
+              <a:pPr algn="ctr" marL="431801" indent="-215900" lvl="1">
                 <a:lnSpc>
-                  <a:spcPts val="2639"/>
-                </a:lnSpc>
-              </a:pPr>
-            </a:p>
-            <a:p>
-              <a:pPr algn="ctr" marL="474979" indent="-237490" lvl="1">
-                <a:lnSpc>
-                  <a:spcPts val="2639"/>
+                  <a:spcPts val="2400"/>
                 </a:lnSpc>
                 <a:buFont typeface="Arial"/>
                 <a:buChar char="•"/>
               </a:pPr>
               <a:r>
-                <a:rPr lang="en-US" sz="2199">
+                <a:rPr lang="en-US" sz="2000">
                   <a:solidFill>
                     <a:srgbClr val="000937"/>
                   </a:solidFill>
@@ -3808,20 +3769,20 @@
             <a:p>
               <a:pPr algn="ctr">
                 <a:lnSpc>
-                  <a:spcPts val="2639"/>
+                  <a:spcPts val="1789"/>
                 </a:lnSpc>
               </a:pPr>
             </a:p>
             <a:p>
-              <a:pPr algn="ctr" marL="474979" indent="-237490" lvl="1">
+              <a:pPr algn="ctr" marL="431801" indent="-215900" lvl="1">
                 <a:lnSpc>
-                  <a:spcPts val="2639"/>
+                  <a:spcPts val="2400"/>
                 </a:lnSpc>
                 <a:buFont typeface="Arial"/>
                 <a:buChar char="•"/>
               </a:pPr>
               <a:r>
-                <a:rPr lang="en-US" sz="2199">
+                <a:rPr lang="en-US" sz="2000">
                   <a:solidFill>
                     <a:srgbClr val="000937"/>
                   </a:solidFill>
@@ -3833,20 +3794,20 @@
             <a:p>
               <a:pPr algn="ctr">
                 <a:lnSpc>
-                  <a:spcPts val="2639"/>
+                  <a:spcPts val="2400"/>
                 </a:lnSpc>
               </a:pPr>
             </a:p>
             <a:p>
-              <a:pPr algn="ctr" marL="474979" indent="-237490" lvl="1">
+              <a:pPr algn="ctr" marL="431801" indent="-215900" lvl="1">
                 <a:lnSpc>
-                  <a:spcPts val="2639"/>
+                  <a:spcPts val="2400"/>
                 </a:lnSpc>
                 <a:buFont typeface="Arial"/>
                 <a:buChar char="•"/>
               </a:pPr>
               <a:r>
-                <a:rPr lang="en-US" sz="2199">
+                <a:rPr lang="en-US" sz="2000">
                   <a:solidFill>
                     <a:srgbClr val="000937"/>
                   </a:solidFill>
@@ -3860,13 +3821,13 @@
       </p:grpSp>
       <p:grpSp>
         <p:nvGrpSpPr>
-          <p:cNvPr name="Group 16" id="16"/>
+          <p:cNvPr name="Group 15" id="15"/>
           <p:cNvGrpSpPr/>
           <p:nvPr/>
         </p:nvGrpSpPr>
         <p:grpSpPr>
           <a:xfrm rot="0">
-            <a:off x="2217035" y="4531507"/>
+            <a:off x="2477613" y="2260167"/>
             <a:ext cx="1981904" cy="1810759"/>
             <a:chOff x="0" y="0"/>
             <a:chExt cx="6950144" cy="6349975"/>
@@ -3874,7 +3835,7 @@
         </p:grpSpPr>
         <p:sp>
           <p:nvSpPr>
-            <p:cNvPr name="Freeform 17" id="17"/>
+            <p:cNvPr name="Freeform 16" id="16"/>
             <p:cNvSpPr/>
             <p:nvPr/>
           </p:nvSpPr>
@@ -3929,13 +3890,13 @@
       </p:grpSp>
       <p:grpSp>
         <p:nvGrpSpPr>
-          <p:cNvPr name="Group 18" id="18"/>
+          <p:cNvPr name="Group 17" id="17"/>
           <p:cNvGrpSpPr/>
           <p:nvPr/>
         </p:nvGrpSpPr>
         <p:grpSpPr>
           <a:xfrm rot="0">
-            <a:off x="8284721" y="4531507"/>
+            <a:off x="8545299" y="2260167"/>
             <a:ext cx="1981904" cy="1810759"/>
             <a:chOff x="0" y="0"/>
             <a:chExt cx="6950144" cy="6349975"/>
@@ -3943,7 +3904,7 @@
         </p:grpSpPr>
         <p:sp>
           <p:nvSpPr>
-            <p:cNvPr name="Freeform 19" id="19"/>
+            <p:cNvPr name="Freeform 18" id="18"/>
             <p:cNvSpPr/>
             <p:nvPr/>
           </p:nvSpPr>
@@ -3998,13 +3959,13 @@
       </p:grpSp>
       <p:grpSp>
         <p:nvGrpSpPr>
-          <p:cNvPr name="Group 20" id="20"/>
+          <p:cNvPr name="Group 19" id="19"/>
           <p:cNvGrpSpPr/>
           <p:nvPr/>
         </p:nvGrpSpPr>
         <p:grpSpPr>
           <a:xfrm rot="0">
-            <a:off x="13964442" y="4531507"/>
+            <a:off x="14225021" y="2260167"/>
             <a:ext cx="1981904" cy="1810759"/>
             <a:chOff x="0" y="0"/>
             <a:chExt cx="6950144" cy="6349975"/>
@@ -4012,7 +3973,7 @@
         </p:grpSpPr>
         <p:sp>
           <p:nvSpPr>
-            <p:cNvPr name="Freeform 21" id="21"/>
+            <p:cNvPr name="Freeform 20" id="20"/>
             <p:cNvSpPr/>
             <p:nvPr/>
           </p:nvSpPr>
@@ -4067,13 +4028,13 @@
       </p:grpSp>
       <p:sp>
         <p:nvSpPr>
-          <p:cNvPr name="Freeform 22" id="22"/>
+          <p:cNvPr name="Freeform 21" id="21"/>
           <p:cNvSpPr/>
           <p:nvPr/>
         </p:nvSpPr>
         <p:spPr>
           <a:xfrm flipH="false" flipV="false" rot="0">
-            <a:off x="-520852" y="2068175"/>
+            <a:off x="-611511" y="1299508"/>
             <a:ext cx="2836831" cy="2829739"/>
           </a:xfrm>
           <a:custGeom>
@@ -4113,13 +4074,13 @@
       </p:sp>
       <p:sp>
         <p:nvSpPr>
-          <p:cNvPr name="Freeform 23" id="23"/>
+          <p:cNvPr name="Freeform 22" id="22"/>
           <p:cNvSpPr/>
           <p:nvPr/>
         </p:nvSpPr>
         <p:spPr>
           <a:xfrm flipH="true" flipV="false" rot="0">
-            <a:off x="16478641" y="1107515"/>
+            <a:off x="16387983" y="338848"/>
             <a:ext cx="2511528" cy="1921319"/>
           </a:xfrm>
           <a:custGeom>
@@ -4156,6 +4117,234 @@
             </a:stretch>
           </a:blipFill>
         </p:spPr>
+      </p:sp>
+      <p:sp>
+        <p:nvSpPr>
+          <p:cNvPr name="TextBox 23" id="23"/>
+          <p:cNvSpPr txBox="true"/>
+          <p:nvPr/>
+        </p:nvSpPr>
+        <p:spPr>
+          <a:xfrm rot="0">
+            <a:off x="3151542" y="7296292"/>
+            <a:ext cx="634047" cy="412750"/>
+          </a:xfrm>
+          <a:prstGeom prst="rect">
+            <a:avLst/>
+          </a:prstGeom>
+        </p:spPr>
+        <p:txBody>
+          <a:bodyPr anchor="t" rtlCol="false" tIns="0" lIns="0" bIns="0" rIns="0">
+            <a:spAutoFit/>
+          </a:bodyPr>
+          <a:lstStyle/>
+          <a:p>
+            <a:pPr algn="ctr">
+              <a:lnSpc>
+                <a:spcPts val="3499"/>
+              </a:lnSpc>
+            </a:pPr>
+            <a:r>
+              <a:rPr lang="en-US" sz="2499">
+                <a:solidFill>
+                  <a:srgbClr val="000000"/>
+                </a:solidFill>
+                <a:latin typeface="Muli Bold"/>
+              </a:rPr>
+              <a:t>Dor:</a:t>
+            </a:r>
+          </a:p>
+        </p:txBody>
+      </p:sp>
+      <p:sp>
+        <p:nvSpPr>
+          <p:cNvPr name="TextBox 24" id="24"/>
+          <p:cNvSpPr txBox="true"/>
+          <p:nvPr/>
+        </p:nvSpPr>
+        <p:spPr>
+          <a:xfrm rot="0">
+            <a:off x="9219228" y="7296292"/>
+            <a:ext cx="634047" cy="412750"/>
+          </a:xfrm>
+          <a:prstGeom prst="rect">
+            <a:avLst/>
+          </a:prstGeom>
+        </p:spPr>
+        <p:txBody>
+          <a:bodyPr anchor="t" rtlCol="false" tIns="0" lIns="0" bIns="0" rIns="0">
+            <a:spAutoFit/>
+          </a:bodyPr>
+          <a:lstStyle/>
+          <a:p>
+            <a:pPr algn="ctr">
+              <a:lnSpc>
+                <a:spcPts val="3499"/>
+              </a:lnSpc>
+            </a:pPr>
+            <a:r>
+              <a:rPr lang="en-US" sz="2499">
+                <a:solidFill>
+                  <a:srgbClr val="000000"/>
+                </a:solidFill>
+                <a:latin typeface="Muli Bold"/>
+              </a:rPr>
+              <a:t>Dor:</a:t>
+            </a:r>
+          </a:p>
+        </p:txBody>
+      </p:sp>
+      <p:sp>
+        <p:nvSpPr>
+          <p:cNvPr name="TextBox 25" id="25"/>
+          <p:cNvSpPr txBox="true"/>
+          <p:nvPr/>
+        </p:nvSpPr>
+        <p:spPr>
+          <a:xfrm rot="0">
+            <a:off x="14898949" y="7296292"/>
+            <a:ext cx="634047" cy="412750"/>
+          </a:xfrm>
+          <a:prstGeom prst="rect">
+            <a:avLst/>
+          </a:prstGeom>
+        </p:spPr>
+        <p:txBody>
+          <a:bodyPr anchor="t" rtlCol="false" tIns="0" lIns="0" bIns="0" rIns="0">
+            <a:spAutoFit/>
+          </a:bodyPr>
+          <a:lstStyle/>
+          <a:p>
+            <a:pPr algn="ctr">
+              <a:lnSpc>
+                <a:spcPts val="3499"/>
+              </a:lnSpc>
+            </a:pPr>
+            <a:r>
+              <a:rPr lang="en-US" sz="2499">
+                <a:solidFill>
+                  <a:srgbClr val="000000"/>
+                </a:solidFill>
+                <a:latin typeface="Muli Bold"/>
+              </a:rPr>
+              <a:t>Dor:</a:t>
+            </a:r>
+          </a:p>
+        </p:txBody>
+      </p:sp>
+      <p:sp>
+        <p:nvSpPr>
+          <p:cNvPr name="TextBox 26" id="26"/>
+          <p:cNvSpPr txBox="true"/>
+          <p:nvPr/>
+        </p:nvSpPr>
+        <p:spPr>
+          <a:xfrm rot="0">
+            <a:off x="1702921" y="7680467"/>
+            <a:ext cx="3531288" cy="1406525"/>
+          </a:xfrm>
+          <a:prstGeom prst="rect">
+            <a:avLst/>
+          </a:prstGeom>
+        </p:spPr>
+        <p:txBody>
+          <a:bodyPr anchor="t" rtlCol="false" tIns="0" lIns="0" bIns="0" rIns="0">
+            <a:spAutoFit/>
+          </a:bodyPr>
+          <a:lstStyle/>
+          <a:p>
+            <a:pPr algn="ctr">
+              <a:lnSpc>
+                <a:spcPts val="2800"/>
+              </a:lnSpc>
+            </a:pPr>
+            <a:r>
+              <a:rPr lang="en-US" sz="2000">
+                <a:solidFill>
+                  <a:srgbClr val="000000"/>
+                </a:solidFill>
+                <a:latin typeface="Open Sans"/>
+              </a:rPr>
+              <a:t>Dificuldade em administrar múltiplas equipes e atender as necessidades de todas equipes.</a:t>
+            </a:r>
+          </a:p>
+        </p:txBody>
+      </p:sp>
+      <p:sp>
+        <p:nvSpPr>
+          <p:cNvPr name="TextBox 27" id="27"/>
+          <p:cNvSpPr txBox="true"/>
+          <p:nvPr/>
+        </p:nvSpPr>
+        <p:spPr>
+          <a:xfrm rot="0">
+            <a:off x="7770607" y="7680467"/>
+            <a:ext cx="3531288" cy="1406525"/>
+          </a:xfrm>
+          <a:prstGeom prst="rect">
+            <a:avLst/>
+          </a:prstGeom>
+        </p:spPr>
+        <p:txBody>
+          <a:bodyPr anchor="t" rtlCol="false" tIns="0" lIns="0" bIns="0" rIns="0">
+            <a:spAutoFit/>
+          </a:bodyPr>
+          <a:lstStyle/>
+          <a:p>
+            <a:pPr algn="ctr">
+              <a:lnSpc>
+                <a:spcPts val="2800"/>
+              </a:lnSpc>
+            </a:pPr>
+            <a:r>
+              <a:rPr lang="en-US" sz="2000">
+                <a:solidFill>
+                  <a:srgbClr val="000000"/>
+                </a:solidFill>
+                <a:latin typeface="Open Sans"/>
+              </a:rPr>
+              <a:t>Dificuldade em administrar o tempo e atender demandas, além da demora da solução de problemas técnicos.</a:t>
+            </a:r>
+          </a:p>
+        </p:txBody>
+      </p:sp>
+      <p:sp>
+        <p:nvSpPr>
+          <p:cNvPr name="TextBox 28" id="28"/>
+          <p:cNvSpPr txBox="true"/>
+          <p:nvPr/>
+        </p:nvSpPr>
+        <p:spPr>
+          <a:xfrm rot="0">
+            <a:off x="13450329" y="7680467"/>
+            <a:ext cx="3531288" cy="1406525"/>
+          </a:xfrm>
+          <a:prstGeom prst="rect">
+            <a:avLst/>
+          </a:prstGeom>
+        </p:spPr>
+        <p:txBody>
+          <a:bodyPr anchor="t" rtlCol="false" tIns="0" lIns="0" bIns="0" rIns="0">
+            <a:spAutoFit/>
+          </a:bodyPr>
+          <a:lstStyle/>
+          <a:p>
+            <a:pPr algn="ctr">
+              <a:lnSpc>
+                <a:spcPts val="2800"/>
+              </a:lnSpc>
+            </a:pPr>
+            <a:r>
+              <a:rPr lang="en-US" sz="2000">
+                <a:solidFill>
+                  <a:srgbClr val="000000"/>
+                </a:solidFill>
+                <a:latin typeface="Open Sans"/>
+              </a:rPr>
+              <a:t>Falta de previsibilidade para gestão de tarefas e conseguir atender uma alta demanda constante.</a:t>
+            </a:r>
+          </a:p>
+        </p:txBody>
       </p:sp>
     </p:spTree>
   </p:cSld>
